--- a/deliverables/FinalPresentation.pptx
+++ b/deliverables/FinalPresentation.pptx
@@ -4464,7 +4464,16 @@
           <a:bodyPr/>
           <a:lstStyle/>
           <a:p>
-            <a:endParaRPr lang="en-US"/>
+            <a:r>
+              <a:rPr lang="en-US" dirty="0">
+                <a:hlinkClick r:id="rId2"/>
+              </a:rPr>
+              <a:t>http://vacci-Publi-1HVOH8WIC19CN-893482168.us-east-2.elb.amazonaws.com</a:t>
+            </a:r>
+            <a:endParaRPr lang="en-US" dirty="0"/>
+          </a:p>
+          <a:p>
+            <a:endParaRPr lang="en-US" dirty="0"/>
           </a:p>
         </p:txBody>
       </p:sp>
@@ -4679,13 +4688,8 @@
             </a:pPr>
             <a:r>
               <a:rPr lang="en-US" dirty="0"/>
-              <a:t>7 </a:t>
-            </a:r>
-            <a:r>
-              <a:rPr lang="en-US"/>
-              <a:t>demographic variables</a:t>
-            </a:r>
-            <a:endParaRPr lang="en-US" dirty="0"/>
+              <a:t>7 demographic variables</a:t>
+            </a:r>
           </a:p>
           <a:p>
             <a:endParaRPr lang="en-US" dirty="0"/>
@@ -4954,6 +4958,19 @@
               <a:rPr lang="en-US" dirty="0"/>
               <a:t>matthewko1698@gmail.com</a:t>
             </a:r>
+          </a:p>
+          <a:p>
+            <a:pPr marL="560070" lvl="1" indent="-285750">
+              <a:buFont typeface="Arial" panose="020B0604020202020204" pitchFamily="34" charset="0"/>
+              <a:buChar char="•"/>
+            </a:pPr>
+            <a:r>
+              <a:rPr lang="en-US" dirty="0">
+                <a:hlinkClick r:id="rId2"/>
+              </a:rPr>
+              <a:t>Github</a:t>
+            </a:r>
+            <a:endParaRPr lang="en-US" dirty="0"/>
           </a:p>
           <a:p>
             <a:endParaRPr lang="en-US" dirty="0"/>
